--- a/KernelDeveloperGuide/pptx/KernelSecurityPolicyManagerFlowV2.pptx
+++ b/KernelDeveloperGuide/pptx/KernelSecurityPolicyManagerFlowV2.pptx
@@ -8052,7 +8052,7 @@
                 <a:latin typeface="Source Sans Pro Light" panose="020B0403030403020204" pitchFamily="34" charset="0"/>
                 <a:ea typeface="Source Sans Pro Light" panose="020B0403030403020204" pitchFamily="34" charset="0"/>
               </a:rPr>
-              <a:t>Installs the Feature</a:t>
+              <a:t>Install the Feature</a:t>
             </a:r>
           </a:p>
         </p:txBody>
@@ -8111,7 +8111,7 @@
                 <a:latin typeface="Source Sans Pro Light" panose="020B0403030403020204" pitchFamily="34" charset="0"/>
                 <a:ea typeface="Source Sans Pro Light" panose="020B0403030403020204" pitchFamily="34" charset="0"/>
               </a:rPr>
-              <a:t>Parses permissions and add them </a:t>
+              <a:t>Parse permissions and add them </a:t>
             </a:r>
           </a:p>
           <a:p>
@@ -8430,7 +8430,7 @@
                 <a:latin typeface="Source Sans Pro Light" panose="020B0403030403020204" pitchFamily="34" charset="0"/>
                 <a:ea typeface="Source Sans Pro Light" panose="020B0403030403020204" pitchFamily="34" charset="0"/>
               </a:rPr>
-              <a:t>Checks if permission is in the authorized map. If not, throws a </a:t>
+              <a:t>Check if permission is in the authorized map. If not, throws a </a:t>
             </a:r>
             <a:r>
               <a:rPr lang="en-US" sz="1400" dirty="0" err="1">
@@ -8786,11 +8786,18 @@
           <a:p>
             <a:pPr algn="ctr"/>
             <a:r>
+              <a:rPr lang="en-US" sz="1400">
+                <a:latin typeface="Source Sans Pro Light" panose="020B0403030403020204" pitchFamily="34" charset="0"/>
+                <a:ea typeface="Source Sans Pro Light" panose="020B0403030403020204" pitchFamily="34" charset="0"/>
+              </a:rPr>
+              <a:t>Uninstall </a:t>
+            </a:r>
+            <a:r>
               <a:rPr lang="en-US" sz="1400" dirty="0">
                 <a:latin typeface="Source Sans Pro Light" panose="020B0403030403020204" pitchFamily="34" charset="0"/>
                 <a:ea typeface="Source Sans Pro Light" panose="020B0403030403020204" pitchFamily="34" charset="0"/>
               </a:rPr>
-              <a:t>Uninstalls the Feature</a:t>
+              <a:t>the Feature</a:t>
             </a:r>
           </a:p>
         </p:txBody>
@@ -8848,7 +8855,7 @@
                 <a:latin typeface="Source Sans Pro Light" panose="020B0403030403020204" pitchFamily="34" charset="0"/>
                 <a:ea typeface="Source Sans Pro Light" panose="020B0403030403020204" pitchFamily="34" charset="0"/>
               </a:rPr>
-              <a:t>Removes cached permissions from the map if it exists</a:t>
+              <a:t>Remove cached permissions from the map if it exists</a:t>
             </a:r>
           </a:p>
         </p:txBody>
@@ -9517,7 +9524,7 @@
                 <a:latin typeface="Source Sans Pro Light" panose="020B0403030403020204" pitchFamily="34" charset="0"/>
                 <a:ea typeface="Source Sans Pro Light" panose="020B0403030403020204" pitchFamily="34" charset="0"/>
               </a:rPr>
-              <a:t>Reads permission file from the Feature resources</a:t>
+              <a:t>Read permission file from the Feature resources</a:t>
             </a:r>
           </a:p>
         </p:txBody>
